--- a/继承和多态.pptx
+++ b/继承和多态.pptx
@@ -29,6 +29,15 @@
     <p:sldId id="275" r:id="rId23"/>
     <p:sldId id="279" r:id="rId24"/>
     <p:sldId id="276" r:id="rId25"/>
+    <p:sldId id="280" r:id="rId26"/>
+    <p:sldId id="285" r:id="rId27"/>
+    <p:sldId id="286" r:id="rId28"/>
+    <p:sldId id="287" r:id="rId29"/>
+    <p:sldId id="281" r:id="rId30"/>
+    <p:sldId id="283" r:id="rId31"/>
+    <p:sldId id="288" r:id="rId32"/>
+    <p:sldId id="284" r:id="rId33"/>
+    <p:sldId id="289" r:id="rId34"/>
   </p:sldIdLst>
   <p:sldSz cx="12192000" cy="6858000"/>
   <p:notesSz cx="6858000" cy="9144000"/>
@@ -266,7 +275,7 @@
           <a:p>
             <a:fld id="{B8BD0364-EB83-40AC-BED9-51C96E78645D}" type="datetimeFigureOut">
               <a:rPr lang="zh-CN" altLang="en-US" smtClean="0"/>
-              <a:t>2017/10/25</a:t>
+              <a:t>2017/11/1</a:t>
             </a:fld>
             <a:endParaRPr lang="zh-CN" altLang="en-US"/>
           </a:p>
@@ -436,7 +445,7 @@
           <a:p>
             <a:fld id="{B8BD0364-EB83-40AC-BED9-51C96E78645D}" type="datetimeFigureOut">
               <a:rPr lang="zh-CN" altLang="en-US" smtClean="0"/>
-              <a:t>2017/10/25</a:t>
+              <a:t>2017/11/1</a:t>
             </a:fld>
             <a:endParaRPr lang="zh-CN" altLang="en-US"/>
           </a:p>
@@ -616,7 +625,7 @@
           <a:p>
             <a:fld id="{B8BD0364-EB83-40AC-BED9-51C96E78645D}" type="datetimeFigureOut">
               <a:rPr lang="zh-CN" altLang="en-US" smtClean="0"/>
-              <a:t>2017/10/25</a:t>
+              <a:t>2017/11/1</a:t>
             </a:fld>
             <a:endParaRPr lang="zh-CN" altLang="en-US"/>
           </a:p>
@@ -786,7 +795,7 @@
           <a:p>
             <a:fld id="{B8BD0364-EB83-40AC-BED9-51C96E78645D}" type="datetimeFigureOut">
               <a:rPr lang="zh-CN" altLang="en-US" smtClean="0"/>
-              <a:t>2017/10/25</a:t>
+              <a:t>2017/11/1</a:t>
             </a:fld>
             <a:endParaRPr lang="zh-CN" altLang="en-US"/>
           </a:p>
@@ -1032,7 +1041,7 @@
           <a:p>
             <a:fld id="{B8BD0364-EB83-40AC-BED9-51C96E78645D}" type="datetimeFigureOut">
               <a:rPr lang="zh-CN" altLang="en-US" smtClean="0"/>
-              <a:t>2017/10/25</a:t>
+              <a:t>2017/11/1</a:t>
             </a:fld>
             <a:endParaRPr lang="zh-CN" altLang="en-US"/>
           </a:p>
@@ -1264,7 +1273,7 @@
           <a:p>
             <a:fld id="{B8BD0364-EB83-40AC-BED9-51C96E78645D}" type="datetimeFigureOut">
               <a:rPr lang="zh-CN" altLang="en-US" smtClean="0"/>
-              <a:t>2017/10/25</a:t>
+              <a:t>2017/11/1</a:t>
             </a:fld>
             <a:endParaRPr lang="zh-CN" altLang="en-US"/>
           </a:p>
@@ -1631,7 +1640,7 @@
           <a:p>
             <a:fld id="{B8BD0364-EB83-40AC-BED9-51C96E78645D}" type="datetimeFigureOut">
               <a:rPr lang="zh-CN" altLang="en-US" smtClean="0"/>
-              <a:t>2017/10/25</a:t>
+              <a:t>2017/11/1</a:t>
             </a:fld>
             <a:endParaRPr lang="zh-CN" altLang="en-US"/>
           </a:p>
@@ -1749,7 +1758,7 @@
           <a:p>
             <a:fld id="{B8BD0364-EB83-40AC-BED9-51C96E78645D}" type="datetimeFigureOut">
               <a:rPr lang="zh-CN" altLang="en-US" smtClean="0"/>
-              <a:t>2017/10/25</a:t>
+              <a:t>2017/11/1</a:t>
             </a:fld>
             <a:endParaRPr lang="zh-CN" altLang="en-US"/>
           </a:p>
@@ -1844,7 +1853,7 @@
           <a:p>
             <a:fld id="{B8BD0364-EB83-40AC-BED9-51C96E78645D}" type="datetimeFigureOut">
               <a:rPr lang="zh-CN" altLang="en-US" smtClean="0"/>
-              <a:t>2017/10/25</a:t>
+              <a:t>2017/11/1</a:t>
             </a:fld>
             <a:endParaRPr lang="zh-CN" altLang="en-US"/>
           </a:p>
@@ -2121,7 +2130,7 @@
           <a:p>
             <a:fld id="{B8BD0364-EB83-40AC-BED9-51C96E78645D}" type="datetimeFigureOut">
               <a:rPr lang="zh-CN" altLang="en-US" smtClean="0"/>
-              <a:t>2017/10/25</a:t>
+              <a:t>2017/11/1</a:t>
             </a:fld>
             <a:endParaRPr lang="zh-CN" altLang="en-US"/>
           </a:p>
@@ -2374,7 +2383,7 @@
           <a:p>
             <a:fld id="{B8BD0364-EB83-40AC-BED9-51C96E78645D}" type="datetimeFigureOut">
               <a:rPr lang="zh-CN" altLang="en-US" smtClean="0"/>
-              <a:t>2017/10/25</a:t>
+              <a:t>2017/11/1</a:t>
             </a:fld>
             <a:endParaRPr lang="zh-CN" altLang="en-US"/>
           </a:p>
@@ -2587,7 +2596,7 @@
           <a:p>
             <a:fld id="{B8BD0364-EB83-40AC-BED9-51C96E78645D}" type="datetimeFigureOut">
               <a:rPr lang="zh-CN" altLang="en-US" smtClean="0"/>
-              <a:t>2017/10/25</a:t>
+              <a:t>2017/11/1</a:t>
             </a:fld>
             <a:endParaRPr lang="zh-CN" altLang="en-US"/>
           </a:p>
@@ -3057,6 +3066,13 @@
   <p:clrMapOvr>
     <a:masterClrMapping/>
   </p:clrMapOvr>
+  <p:timing>
+    <p:tnLst>
+      <p:par>
+        <p:cTn id="1" dur="indefinite" restart="never" nodeType="tmRoot"/>
+      </p:par>
+    </p:tnLst>
+  </p:timing>
 </p:sld>
 </file>
 
@@ -3166,6 +3182,13 @@
   <p:clrMapOvr>
     <a:masterClrMapping/>
   </p:clrMapOvr>
+  <p:timing>
+    <p:tnLst>
+      <p:par>
+        <p:cTn id="1" dur="indefinite" restart="never" nodeType="tmRoot"/>
+      </p:par>
+    </p:tnLst>
+  </p:timing>
 </p:sld>
 </file>
 
@@ -3322,6 +3345,13 @@
   <p:clrMapOvr>
     <a:masterClrMapping/>
   </p:clrMapOvr>
+  <p:timing>
+    <p:tnLst>
+      <p:par>
+        <p:cTn id="1" dur="indefinite" restart="never" nodeType="tmRoot"/>
+      </p:par>
+    </p:tnLst>
+  </p:timing>
 </p:sld>
 </file>
 
@@ -3469,6 +3499,13 @@
   <p:clrMapOvr>
     <a:masterClrMapping/>
   </p:clrMapOvr>
+  <p:timing>
+    <p:tnLst>
+      <p:par>
+        <p:cTn id="1" dur="indefinite" restart="never" nodeType="tmRoot"/>
+      </p:par>
+    </p:tnLst>
+  </p:timing>
 </p:sld>
 </file>
 
@@ -3617,6 +3654,13 @@
   <p:clrMapOvr>
     <a:masterClrMapping/>
   </p:clrMapOvr>
+  <p:timing>
+    <p:tnLst>
+      <p:par>
+        <p:cTn id="1" dur="indefinite" restart="never" nodeType="tmRoot"/>
+      </p:par>
+    </p:tnLst>
+  </p:timing>
 </p:sld>
 </file>
 
@@ -3768,6 +3812,13 @@
   <p:clrMapOvr>
     <a:masterClrMapping/>
   </p:clrMapOvr>
+  <p:timing>
+    <p:tnLst>
+      <p:par>
+        <p:cTn id="1" dur="indefinite" restart="never" nodeType="tmRoot"/>
+      </p:par>
+    </p:tnLst>
+  </p:timing>
 </p:sld>
 </file>
 
@@ -3857,6 +3908,13 @@
   <p:clrMapOvr>
     <a:masterClrMapping/>
   </p:clrMapOvr>
+  <p:timing>
+    <p:tnLst>
+      <p:par>
+        <p:cTn id="1" dur="indefinite" restart="never" nodeType="tmRoot"/>
+      </p:par>
+    </p:tnLst>
+  </p:timing>
 </p:sld>
 </file>
 
@@ -3977,6 +4035,13 @@
   <p:clrMapOvr>
     <a:masterClrMapping/>
   </p:clrMapOvr>
+  <p:timing>
+    <p:tnLst>
+      <p:par>
+        <p:cTn id="1" dur="indefinite" restart="never" nodeType="tmRoot"/>
+      </p:par>
+    </p:tnLst>
+  </p:timing>
 </p:sld>
 </file>
 
@@ -4124,6 +4189,13 @@
   <p:clrMapOvr>
     <a:masterClrMapping/>
   </p:clrMapOvr>
+  <p:timing>
+    <p:tnLst>
+      <p:par>
+        <p:cTn id="1" dur="indefinite" restart="never" nodeType="tmRoot"/>
+      </p:par>
+    </p:tnLst>
+  </p:timing>
 </p:sld>
 </file>
 
@@ -4184,6 +4256,13 @@
   <p:clrMapOvr>
     <a:masterClrMapping/>
   </p:clrMapOvr>
+  <p:timing>
+    <p:tnLst>
+      <p:par>
+        <p:cTn id="1" dur="indefinite" restart="never" nodeType="tmRoot"/>
+      </p:par>
+    </p:tnLst>
+  </p:timing>
 </p:sld>
 </file>
 
@@ -4244,6 +4323,13 @@
   <p:clrMapOvr>
     <a:masterClrMapping/>
   </p:clrMapOvr>
+  <p:timing>
+    <p:tnLst>
+      <p:par>
+        <p:cTn id="1" dur="indefinite" restart="never" nodeType="tmRoot"/>
+      </p:par>
+    </p:tnLst>
+  </p:timing>
 </p:sld>
 </file>
 
@@ -4456,6 +4542,13 @@
   <p:clrMapOvr>
     <a:masterClrMapping/>
   </p:clrMapOvr>
+  <p:timing>
+    <p:tnLst>
+      <p:par>
+        <p:cTn id="1" dur="indefinite" restart="never" nodeType="tmRoot"/>
+      </p:par>
+    </p:tnLst>
+  </p:timing>
 </p:sld>
 </file>
 
@@ -4545,6 +4638,13 @@
   <p:clrMapOvr>
     <a:masterClrMapping/>
   </p:clrMapOvr>
+  <p:timing>
+    <p:tnLst>
+      <p:par>
+        <p:cTn id="1" dur="indefinite" restart="never" nodeType="tmRoot"/>
+      </p:par>
+    </p:tnLst>
+  </p:timing>
 </p:sld>
 </file>
 
@@ -4634,6 +4734,13 @@
   <p:clrMapOvr>
     <a:masterClrMapping/>
   </p:clrMapOvr>
+  <p:timing>
+    <p:tnLst>
+      <p:par>
+        <p:cTn id="1" dur="indefinite" restart="never" nodeType="tmRoot"/>
+      </p:par>
+    </p:tnLst>
+  </p:timing>
 </p:sld>
 </file>
 
@@ -4777,6 +4884,13 @@
   <p:clrMapOvr>
     <a:masterClrMapping/>
   </p:clrMapOvr>
+  <p:timing>
+    <p:tnLst>
+      <p:par>
+        <p:cTn id="1" dur="indefinite" restart="never" nodeType="tmRoot"/>
+      </p:par>
+    </p:tnLst>
+  </p:timing>
 </p:sld>
 </file>
 
@@ -4867,6 +4981,13 @@
   <p:clrMapOvr>
     <a:masterClrMapping/>
   </p:clrMapOvr>
+  <p:timing>
+    <p:tnLst>
+      <p:par>
+        <p:cTn id="1" dur="indefinite" restart="never" nodeType="tmRoot"/>
+      </p:par>
+    </p:tnLst>
+  </p:timing>
 </p:sld>
 </file>
 
@@ -4994,6 +5115,558 @@
   <p:clrMapOvr>
     <a:masterClrMapping/>
   </p:clrMapOvr>
+  <p:timing>
+    <p:tnLst>
+      <p:par>
+        <p:cTn id="1" dur="indefinite" restart="never" nodeType="tmRoot"/>
+      </p:par>
+    </p:tnLst>
+  </p:timing>
+</p:sld>
+</file>
+
+<file path=ppt/slides/slide25.xml><?xml version="1.0" encoding="utf-8"?>
+<p:sld xmlns:a="http://schemas.openxmlformats.org/drawingml/2006/main" xmlns:r="http://schemas.openxmlformats.org/officeDocument/2006/relationships" xmlns:p="http://schemas.openxmlformats.org/presentationml/2006/main">
+  <p:cSld>
+    <p:spTree>
+      <p:nvGrpSpPr>
+        <p:cNvPr id="1" name=""/>
+        <p:cNvGrpSpPr/>
+        <p:nvPr/>
+      </p:nvGrpSpPr>
+      <p:grpSpPr>
+        <a:xfrm>
+          <a:off x="0" y="0"/>
+          <a:ext cx="0" cy="0"/>
+          <a:chOff x="0" y="0"/>
+          <a:chExt cx="0" cy="0"/>
+        </a:xfrm>
+      </p:grpSpPr>
+      <p:sp>
+        <p:nvSpPr>
+          <p:cNvPr id="2" name="标题 1"/>
+          <p:cNvSpPr>
+            <a:spLocks noGrp="1"/>
+          </p:cNvSpPr>
+          <p:nvPr>
+            <p:ph type="ctrTitle"/>
+          </p:nvPr>
+        </p:nvSpPr>
+        <p:spPr/>
+        <p:txBody>
+          <a:bodyPr/>
+          <a:lstStyle/>
+          <a:p>
+            <a:r>
+              <a:rPr lang="zh-CN" altLang="en-US" dirty="0" smtClean="0"/>
+              <a:t>对象转换</a:t>
+            </a:r>
+            <a:endParaRPr lang="zh-CN" altLang="en-US" dirty="0"/>
+          </a:p>
+        </p:txBody>
+      </p:sp>
+      <p:sp>
+        <p:nvSpPr>
+          <p:cNvPr id="3" name="副标题 2"/>
+          <p:cNvSpPr>
+            <a:spLocks noGrp="1"/>
+          </p:cNvSpPr>
+          <p:nvPr>
+            <p:ph type="subTitle" idx="1"/>
+          </p:nvPr>
+        </p:nvSpPr>
+        <p:spPr/>
+        <p:txBody>
+          <a:bodyPr/>
+          <a:lstStyle/>
+          <a:p>
+            <a:pPr algn="l"/>
+            <a:r>
+              <a:rPr lang="en-US" altLang="zh-CN" dirty="0" smtClean="0"/>
+              <a:t>		</a:t>
+            </a:r>
+            <a:r>
+              <a:rPr lang="zh-CN" altLang="en-US" dirty="0" smtClean="0"/>
+              <a:t>向上转换：父类的引用指向子类的对象。</a:t>
+            </a:r>
+            <a:endParaRPr lang="en-US" altLang="zh-CN" dirty="0" smtClean="0"/>
+          </a:p>
+          <a:p>
+            <a:pPr algn="l"/>
+            <a:r>
+              <a:rPr lang="en-US" altLang="zh-CN" dirty="0" smtClean="0"/>
+              <a:t>		</a:t>
+            </a:r>
+            <a:r>
+              <a:rPr lang="zh-CN" altLang="en-US" dirty="0" smtClean="0"/>
+              <a:t>向下转换：就是向上转换的逆操作。</a:t>
+            </a:r>
+            <a:endParaRPr lang="zh-CN" altLang="en-US" dirty="0"/>
+          </a:p>
+        </p:txBody>
+      </p:sp>
+    </p:spTree>
+    <p:extLst>
+      <p:ext uri="{BB962C8B-B14F-4D97-AF65-F5344CB8AC3E}">
+        <p14:creationId xmlns:p14="http://schemas.microsoft.com/office/powerpoint/2010/main" val="1194242049"/>
+      </p:ext>
+    </p:extLst>
+  </p:cSld>
+  <p:clrMapOvr>
+    <a:masterClrMapping/>
+  </p:clrMapOvr>
+  <p:timing>
+    <p:tnLst>
+      <p:par>
+        <p:cTn id="1" dur="indefinite" restart="never" nodeType="tmRoot"/>
+      </p:par>
+    </p:tnLst>
+  </p:timing>
+</p:sld>
+</file>
+
+<file path=ppt/slides/slide26.xml><?xml version="1.0" encoding="utf-8"?>
+<p:sld xmlns:a="http://schemas.openxmlformats.org/drawingml/2006/main" xmlns:r="http://schemas.openxmlformats.org/officeDocument/2006/relationships" xmlns:p="http://schemas.openxmlformats.org/presentationml/2006/main">
+  <p:cSld>
+    <p:spTree>
+      <p:nvGrpSpPr>
+        <p:cNvPr id="1" name=""/>
+        <p:cNvGrpSpPr/>
+        <p:nvPr/>
+      </p:nvGrpSpPr>
+      <p:grpSpPr>
+        <a:xfrm>
+          <a:off x="0" y="0"/>
+          <a:ext cx="0" cy="0"/>
+          <a:chOff x="0" y="0"/>
+          <a:chExt cx="0" cy="0"/>
+        </a:xfrm>
+      </p:grpSpPr>
+      <p:pic>
+        <p:nvPicPr>
+          <p:cNvPr id="2" name="图片 1"/>
+          <p:cNvPicPr>
+            <a:picLocks noChangeAspect="1"/>
+          </p:cNvPicPr>
+          <p:nvPr/>
+        </p:nvPicPr>
+        <p:blipFill>
+          <a:blip r:embed="rId2"/>
+          <a:stretch>
+            <a:fillRect/>
+          </a:stretch>
+        </p:blipFill>
+        <p:spPr>
+          <a:xfrm>
+            <a:off x="2181225" y="1495425"/>
+            <a:ext cx="7829550" cy="3867150"/>
+          </a:xfrm>
+          <a:prstGeom prst="rect">
+            <a:avLst/>
+          </a:prstGeom>
+        </p:spPr>
+      </p:pic>
+      <p:sp>
+        <p:nvSpPr>
+          <p:cNvPr id="3" name="文本框 2"/>
+          <p:cNvSpPr txBox="1"/>
+          <p:nvPr/>
+        </p:nvSpPr>
+        <p:spPr>
+          <a:xfrm>
+            <a:off x="4739054" y="861646"/>
+            <a:ext cx="2980592" cy="369332"/>
+          </a:xfrm>
+          <a:prstGeom prst="rect">
+            <a:avLst/>
+          </a:prstGeom>
+          <a:noFill/>
+        </p:spPr>
+        <p:txBody>
+          <a:bodyPr wrap="square" rtlCol="0">
+            <a:spAutoFit/>
+          </a:bodyPr>
+          <a:lstStyle/>
+          <a:p>
+            <a:r>
+              <a:rPr lang="zh-CN" altLang="en-US" dirty="0" smtClean="0"/>
+              <a:t>宠物类</a:t>
+            </a:r>
+            <a:endParaRPr lang="zh-CN" altLang="en-US" dirty="0"/>
+          </a:p>
+        </p:txBody>
+      </p:sp>
+    </p:spTree>
+    <p:extLst>
+      <p:ext uri="{BB962C8B-B14F-4D97-AF65-F5344CB8AC3E}">
+        <p14:creationId xmlns:p14="http://schemas.microsoft.com/office/powerpoint/2010/main" val="2926457734"/>
+      </p:ext>
+    </p:extLst>
+  </p:cSld>
+  <p:clrMapOvr>
+    <a:masterClrMapping/>
+  </p:clrMapOvr>
+  <p:timing>
+    <p:tnLst>
+      <p:par>
+        <p:cTn id="1" dur="indefinite" restart="never" nodeType="tmRoot"/>
+      </p:par>
+    </p:tnLst>
+  </p:timing>
+</p:sld>
+</file>
+
+<file path=ppt/slides/slide27.xml><?xml version="1.0" encoding="utf-8"?>
+<p:sld xmlns:a="http://schemas.openxmlformats.org/drawingml/2006/main" xmlns:r="http://schemas.openxmlformats.org/officeDocument/2006/relationships" xmlns:p="http://schemas.openxmlformats.org/presentationml/2006/main">
+  <p:cSld>
+    <p:spTree>
+      <p:nvGrpSpPr>
+        <p:cNvPr id="1" name=""/>
+        <p:cNvGrpSpPr/>
+        <p:nvPr/>
+      </p:nvGrpSpPr>
+      <p:grpSpPr>
+        <a:xfrm>
+          <a:off x="0" y="0"/>
+          <a:ext cx="0" cy="0"/>
+          <a:chOff x="0" y="0"/>
+          <a:chExt cx="0" cy="0"/>
+        </a:xfrm>
+      </p:grpSpPr>
+      <p:pic>
+        <p:nvPicPr>
+          <p:cNvPr id="2" name="图片 1"/>
+          <p:cNvPicPr>
+            <a:picLocks noChangeAspect="1"/>
+          </p:cNvPicPr>
+          <p:nvPr/>
+        </p:nvPicPr>
+        <p:blipFill>
+          <a:blip r:embed="rId2"/>
+          <a:stretch>
+            <a:fillRect/>
+          </a:stretch>
+        </p:blipFill>
+        <p:spPr>
+          <a:xfrm>
+            <a:off x="1247775" y="1957387"/>
+            <a:ext cx="9696450" cy="2943225"/>
+          </a:xfrm>
+          <a:prstGeom prst="rect">
+            <a:avLst/>
+          </a:prstGeom>
+        </p:spPr>
+      </p:pic>
+      <p:sp>
+        <p:nvSpPr>
+          <p:cNvPr id="3" name="文本框 2"/>
+          <p:cNvSpPr txBox="1"/>
+          <p:nvPr/>
+        </p:nvSpPr>
+        <p:spPr>
+          <a:xfrm>
+            <a:off x="4334607" y="1274885"/>
+            <a:ext cx="2945424" cy="369332"/>
+          </a:xfrm>
+          <a:prstGeom prst="rect">
+            <a:avLst/>
+          </a:prstGeom>
+          <a:noFill/>
+        </p:spPr>
+        <p:txBody>
+          <a:bodyPr wrap="square" rtlCol="0">
+            <a:spAutoFit/>
+          </a:bodyPr>
+          <a:lstStyle/>
+          <a:p>
+            <a:r>
+              <a:rPr lang="zh-CN" altLang="en-US" dirty="0" smtClean="0"/>
+              <a:t>小狗类</a:t>
+            </a:r>
+            <a:endParaRPr lang="zh-CN" altLang="en-US" dirty="0"/>
+          </a:p>
+        </p:txBody>
+      </p:sp>
+    </p:spTree>
+    <p:extLst>
+      <p:ext uri="{BB962C8B-B14F-4D97-AF65-F5344CB8AC3E}">
+        <p14:creationId xmlns:p14="http://schemas.microsoft.com/office/powerpoint/2010/main" val="1829916926"/>
+      </p:ext>
+    </p:extLst>
+  </p:cSld>
+  <p:clrMapOvr>
+    <a:masterClrMapping/>
+  </p:clrMapOvr>
+  <p:timing>
+    <p:tnLst>
+      <p:par>
+        <p:cTn id="1" dur="indefinite" restart="never" nodeType="tmRoot"/>
+      </p:par>
+    </p:tnLst>
+  </p:timing>
+</p:sld>
+</file>
+
+<file path=ppt/slides/slide28.xml><?xml version="1.0" encoding="utf-8"?>
+<p:sld xmlns:a="http://schemas.openxmlformats.org/drawingml/2006/main" xmlns:r="http://schemas.openxmlformats.org/officeDocument/2006/relationships" xmlns:p="http://schemas.openxmlformats.org/presentationml/2006/main">
+  <p:cSld>
+    <p:spTree>
+      <p:nvGrpSpPr>
+        <p:cNvPr id="1" name=""/>
+        <p:cNvGrpSpPr/>
+        <p:nvPr/>
+      </p:nvGrpSpPr>
+      <p:grpSpPr>
+        <a:xfrm>
+          <a:off x="0" y="0"/>
+          <a:ext cx="0" cy="0"/>
+          <a:chOff x="0" y="0"/>
+          <a:chExt cx="0" cy="0"/>
+        </a:xfrm>
+      </p:grpSpPr>
+      <p:pic>
+        <p:nvPicPr>
+          <p:cNvPr id="2" name="图片 1"/>
+          <p:cNvPicPr>
+            <a:picLocks noChangeAspect="1"/>
+          </p:cNvPicPr>
+          <p:nvPr/>
+        </p:nvPicPr>
+        <p:blipFill>
+          <a:blip r:embed="rId2"/>
+          <a:stretch>
+            <a:fillRect/>
+          </a:stretch>
+        </p:blipFill>
+        <p:spPr>
+          <a:xfrm>
+            <a:off x="2266950" y="2005012"/>
+            <a:ext cx="7658100" cy="2847975"/>
+          </a:xfrm>
+          <a:prstGeom prst="rect">
+            <a:avLst/>
+          </a:prstGeom>
+        </p:spPr>
+      </p:pic>
+      <p:sp>
+        <p:nvSpPr>
+          <p:cNvPr id="3" name="文本框 2"/>
+          <p:cNvSpPr txBox="1"/>
+          <p:nvPr/>
+        </p:nvSpPr>
+        <p:spPr>
+          <a:xfrm>
+            <a:off x="4800600" y="1266092"/>
+            <a:ext cx="2963008" cy="369332"/>
+          </a:xfrm>
+          <a:prstGeom prst="rect">
+            <a:avLst/>
+          </a:prstGeom>
+          <a:noFill/>
+        </p:spPr>
+        <p:txBody>
+          <a:bodyPr wrap="square" rtlCol="0">
+            <a:spAutoFit/>
+          </a:bodyPr>
+          <a:lstStyle/>
+          <a:p>
+            <a:r>
+              <a:rPr lang="zh-CN" altLang="en-US" dirty="0" smtClean="0"/>
+              <a:t>小猫类</a:t>
+            </a:r>
+            <a:endParaRPr lang="zh-CN" altLang="en-US" dirty="0"/>
+          </a:p>
+        </p:txBody>
+      </p:sp>
+    </p:spTree>
+    <p:extLst>
+      <p:ext uri="{BB962C8B-B14F-4D97-AF65-F5344CB8AC3E}">
+        <p14:creationId xmlns:p14="http://schemas.microsoft.com/office/powerpoint/2010/main" val="1463194696"/>
+      </p:ext>
+    </p:extLst>
+  </p:cSld>
+  <p:clrMapOvr>
+    <a:masterClrMapping/>
+  </p:clrMapOvr>
+  <p:timing>
+    <p:tnLst>
+      <p:par>
+        <p:cTn id="1" dur="indefinite" restart="never" nodeType="tmRoot"/>
+      </p:par>
+    </p:tnLst>
+  </p:timing>
+</p:sld>
+</file>
+
+<file path=ppt/slides/slide29.xml><?xml version="1.0" encoding="utf-8"?>
+<p:sld xmlns:a="http://schemas.openxmlformats.org/drawingml/2006/main" xmlns:r="http://schemas.openxmlformats.org/officeDocument/2006/relationships" xmlns:p="http://schemas.openxmlformats.org/presentationml/2006/main">
+  <p:cSld>
+    <p:spTree>
+      <p:nvGrpSpPr>
+        <p:cNvPr id="1" name=""/>
+        <p:cNvGrpSpPr/>
+        <p:nvPr/>
+      </p:nvGrpSpPr>
+      <p:grpSpPr>
+        <a:xfrm>
+          <a:off x="0" y="0"/>
+          <a:ext cx="0" cy="0"/>
+          <a:chOff x="0" y="0"/>
+          <a:chExt cx="0" cy="0"/>
+        </a:xfrm>
+      </p:grpSpPr>
+      <p:pic>
+        <p:nvPicPr>
+          <p:cNvPr id="4" name="图片 3"/>
+          <p:cNvPicPr>
+            <a:picLocks noChangeAspect="1"/>
+          </p:cNvPicPr>
+          <p:nvPr/>
+        </p:nvPicPr>
+        <p:blipFill>
+          <a:blip r:embed="rId2"/>
+          <a:stretch>
+            <a:fillRect/>
+          </a:stretch>
+        </p:blipFill>
+        <p:spPr>
+          <a:xfrm>
+            <a:off x="2647606" y="602982"/>
+            <a:ext cx="6228571" cy="5476190"/>
+          </a:xfrm>
+          <a:prstGeom prst="rect">
+            <a:avLst/>
+          </a:prstGeom>
+        </p:spPr>
+      </p:pic>
+      <p:sp>
+        <p:nvSpPr>
+          <p:cNvPr id="2" name="圆角矩形 1"/>
+          <p:cNvSpPr/>
+          <p:nvPr/>
+        </p:nvSpPr>
+        <p:spPr>
+          <a:xfrm>
+            <a:off x="2567354" y="4730262"/>
+            <a:ext cx="6409592" cy="1081453"/>
+          </a:xfrm>
+          <a:prstGeom prst="roundRect">
+            <a:avLst/>
+          </a:prstGeom>
+        </p:spPr>
+        <p:style>
+          <a:lnRef idx="2">
+            <a:schemeClr val="accent1">
+              <a:shade val="50000"/>
+            </a:schemeClr>
+          </a:lnRef>
+          <a:fillRef idx="1">
+            <a:schemeClr val="accent1"/>
+          </a:fillRef>
+          <a:effectRef idx="0">
+            <a:schemeClr val="accent1"/>
+          </a:effectRef>
+          <a:fontRef idx="minor">
+            <a:schemeClr val="lt1"/>
+          </a:fontRef>
+        </p:style>
+        <p:txBody>
+          <a:bodyPr rtlCol="0" anchor="ctr"/>
+          <a:lstStyle/>
+          <a:p>
+            <a:pPr algn="ctr"/>
+            <a:endParaRPr lang="zh-CN" altLang="en-US"/>
+          </a:p>
+        </p:txBody>
+      </p:sp>
+    </p:spTree>
+    <p:extLst>
+      <p:ext uri="{BB962C8B-B14F-4D97-AF65-F5344CB8AC3E}">
+        <p14:creationId xmlns:p14="http://schemas.microsoft.com/office/powerpoint/2010/main" val="3525817608"/>
+      </p:ext>
+    </p:extLst>
+  </p:cSld>
+  <p:clrMapOvr>
+    <a:masterClrMapping/>
+  </p:clrMapOvr>
+  <p:timing>
+    <p:tnLst>
+      <p:par>
+        <p:cTn id="1" dur="indefinite" restart="never" nodeType="tmRoot">
+          <p:childTnLst>
+            <p:seq concurrent="1" nextAc="seek">
+              <p:cTn id="2" dur="indefinite" nodeType="mainSeq">
+                <p:childTnLst>
+                  <p:par>
+                    <p:cTn id="3" fill="hold">
+                      <p:stCondLst>
+                        <p:cond delay="indefinite"/>
+                      </p:stCondLst>
+                      <p:childTnLst>
+                        <p:par>
+                          <p:cTn id="4" fill="hold">
+                            <p:stCondLst>
+                              <p:cond delay="0"/>
+                            </p:stCondLst>
+                            <p:childTnLst>
+                              <p:par>
+                                <p:cTn id="5" presetID="1" presetClass="exit" presetSubtype="0" fill="hold" grpId="1" nodeType="clickEffect">
+                                  <p:stCondLst>
+                                    <p:cond delay="0"/>
+                                  </p:stCondLst>
+                                  <p:childTnLst>
+                                    <p:set>
+                                      <p:cBhvr>
+                                        <p:cTn id="6" dur="1" fill="hold">
+                                          <p:stCondLst>
+                                            <p:cond delay="0"/>
+                                          </p:stCondLst>
+                                        </p:cTn>
+                                        <p:tgtEl>
+                                          <p:spTgt spid="2"/>
+                                        </p:tgtEl>
+                                        <p:attrNameLst>
+                                          <p:attrName>style.visibility</p:attrName>
+                                        </p:attrNameLst>
+                                      </p:cBhvr>
+                                      <p:to>
+                                        <p:strVal val="hidden"/>
+                                      </p:to>
+                                    </p:set>
+                                  </p:childTnLst>
+                                </p:cTn>
+                              </p:par>
+                            </p:childTnLst>
+                          </p:cTn>
+                        </p:par>
+                      </p:childTnLst>
+                    </p:cTn>
+                  </p:par>
+                </p:childTnLst>
+              </p:cTn>
+              <p:prevCondLst>
+                <p:cond evt="onPrev" delay="0">
+                  <p:tgtEl>
+                    <p:sldTgt/>
+                  </p:tgtEl>
+                </p:cond>
+              </p:prevCondLst>
+              <p:nextCondLst>
+                <p:cond evt="onNext" delay="0">
+                  <p:tgtEl>
+                    <p:sldTgt/>
+                  </p:tgtEl>
+                </p:cond>
+              </p:nextCondLst>
+            </p:seq>
+          </p:childTnLst>
+        </p:cTn>
+      </p:par>
+    </p:tnLst>
+    <p:bldLst>
+      <p:bldP spid="2" grpId="1" animBg="1"/>
+    </p:bldLst>
+  </p:timing>
 </p:sld>
 </file>
 
@@ -5145,6 +5818,386 @@
   <p:clrMapOvr>
     <a:masterClrMapping/>
   </p:clrMapOvr>
+  <p:timing>
+    <p:tnLst>
+      <p:par>
+        <p:cTn id="1" dur="indefinite" restart="never" nodeType="tmRoot"/>
+      </p:par>
+    </p:tnLst>
+  </p:timing>
+</p:sld>
+</file>
+
+<file path=ppt/slides/slide30.xml><?xml version="1.0" encoding="utf-8"?>
+<p:sld xmlns:a="http://schemas.openxmlformats.org/drawingml/2006/main" xmlns:r="http://schemas.openxmlformats.org/officeDocument/2006/relationships" xmlns:p="http://schemas.openxmlformats.org/presentationml/2006/main">
+  <p:cSld>
+    <p:spTree>
+      <p:nvGrpSpPr>
+        <p:cNvPr id="1" name=""/>
+        <p:cNvGrpSpPr/>
+        <p:nvPr/>
+      </p:nvGrpSpPr>
+      <p:grpSpPr>
+        <a:xfrm>
+          <a:off x="0" y="0"/>
+          <a:ext cx="0" cy="0"/>
+          <a:chOff x="0" y="0"/>
+          <a:chExt cx="0" cy="0"/>
+        </a:xfrm>
+      </p:grpSpPr>
+      <p:pic>
+        <p:nvPicPr>
+          <p:cNvPr id="2" name="图片 1"/>
+          <p:cNvPicPr>
+            <a:picLocks noChangeAspect="1"/>
+          </p:cNvPicPr>
+          <p:nvPr/>
+        </p:nvPicPr>
+        <p:blipFill>
+          <a:blip r:embed="rId2"/>
+          <a:stretch>
+            <a:fillRect/>
+          </a:stretch>
+        </p:blipFill>
+        <p:spPr>
+          <a:xfrm>
+            <a:off x="2678731" y="0"/>
+            <a:ext cx="5568454" cy="7153118"/>
+          </a:xfrm>
+          <a:prstGeom prst="rect">
+            <a:avLst/>
+          </a:prstGeom>
+        </p:spPr>
+      </p:pic>
+    </p:spTree>
+    <p:extLst>
+      <p:ext uri="{BB962C8B-B14F-4D97-AF65-F5344CB8AC3E}">
+        <p14:creationId xmlns:p14="http://schemas.microsoft.com/office/powerpoint/2010/main" val="3130401928"/>
+      </p:ext>
+    </p:extLst>
+  </p:cSld>
+  <p:clrMapOvr>
+    <a:masterClrMapping/>
+  </p:clrMapOvr>
+  <p:timing>
+    <p:tnLst>
+      <p:par>
+        <p:cTn id="1" dur="indefinite" restart="never" nodeType="tmRoot"/>
+      </p:par>
+    </p:tnLst>
+  </p:timing>
+</p:sld>
+</file>
+
+<file path=ppt/slides/slide31.xml><?xml version="1.0" encoding="utf-8"?>
+<p:sld xmlns:a="http://schemas.openxmlformats.org/drawingml/2006/main" xmlns:r="http://schemas.openxmlformats.org/officeDocument/2006/relationships" xmlns:p="http://schemas.openxmlformats.org/presentationml/2006/main">
+  <p:cSld>
+    <p:spTree>
+      <p:nvGrpSpPr>
+        <p:cNvPr id="1" name=""/>
+        <p:cNvGrpSpPr/>
+        <p:nvPr/>
+      </p:nvGrpSpPr>
+      <p:grpSpPr>
+        <a:xfrm>
+          <a:off x="0" y="0"/>
+          <a:ext cx="0" cy="0"/>
+          <a:chOff x="0" y="0"/>
+          <a:chExt cx="0" cy="0"/>
+        </a:xfrm>
+      </p:grpSpPr>
+      <p:sp>
+        <p:nvSpPr>
+          <p:cNvPr id="2" name="文本框 1"/>
+          <p:cNvSpPr txBox="1"/>
+          <p:nvPr/>
+        </p:nvSpPr>
+        <p:spPr>
+          <a:xfrm>
+            <a:off x="3481753" y="2787162"/>
+            <a:ext cx="6989884" cy="646331"/>
+          </a:xfrm>
+          <a:prstGeom prst="rect">
+            <a:avLst/>
+          </a:prstGeom>
+          <a:noFill/>
+        </p:spPr>
+        <p:txBody>
+          <a:bodyPr wrap="square" rtlCol="0">
+            <a:spAutoFit/>
+          </a:bodyPr>
+          <a:lstStyle/>
+          <a:p>
+            <a:r>
+              <a:rPr lang="en-US" altLang="zh-CN" sz="3600" dirty="0" smtClean="0"/>
+              <a:t>Equals</a:t>
+            </a:r>
+            <a:r>
+              <a:rPr lang="zh-CN" altLang="en-US" sz="3600" dirty="0" smtClean="0"/>
+              <a:t>方法和</a:t>
+            </a:r>
+            <a:r>
+              <a:rPr lang="en-US" altLang="zh-CN" sz="3600" dirty="0" err="1" smtClean="0"/>
+              <a:t>ArrayList</a:t>
+            </a:r>
+            <a:r>
+              <a:rPr lang="zh-CN" altLang="en-US" sz="3600" dirty="0" smtClean="0"/>
+              <a:t>类</a:t>
+            </a:r>
+            <a:endParaRPr lang="zh-CN" altLang="en-US" sz="3600" dirty="0"/>
+          </a:p>
+        </p:txBody>
+      </p:sp>
+    </p:spTree>
+    <p:extLst>
+      <p:ext uri="{BB962C8B-B14F-4D97-AF65-F5344CB8AC3E}">
+        <p14:creationId xmlns:p14="http://schemas.microsoft.com/office/powerpoint/2010/main" val="2591350964"/>
+      </p:ext>
+    </p:extLst>
+  </p:cSld>
+  <p:clrMapOvr>
+    <a:masterClrMapping/>
+  </p:clrMapOvr>
+  <p:timing>
+    <p:tnLst>
+      <p:par>
+        <p:cTn id="1" dur="indefinite" restart="never" nodeType="tmRoot"/>
+      </p:par>
+    </p:tnLst>
+  </p:timing>
+</p:sld>
+</file>
+
+<file path=ppt/slides/slide32.xml><?xml version="1.0" encoding="utf-8"?>
+<p:sld xmlns:a="http://schemas.openxmlformats.org/drawingml/2006/main" xmlns:r="http://schemas.openxmlformats.org/officeDocument/2006/relationships" xmlns:p="http://schemas.openxmlformats.org/presentationml/2006/main">
+  <p:cSld>
+    <p:spTree>
+      <p:nvGrpSpPr>
+        <p:cNvPr id="1" name=""/>
+        <p:cNvGrpSpPr/>
+        <p:nvPr/>
+      </p:nvGrpSpPr>
+      <p:grpSpPr>
+        <a:xfrm>
+          <a:off x="0" y="0"/>
+          <a:ext cx="0" cy="0"/>
+          <a:chOff x="0" y="0"/>
+          <a:chExt cx="0" cy="0"/>
+        </a:xfrm>
+      </p:grpSpPr>
+      <p:pic>
+        <p:nvPicPr>
+          <p:cNvPr id="2" name="图片 1"/>
+          <p:cNvPicPr>
+            <a:picLocks noChangeAspect="1"/>
+          </p:cNvPicPr>
+          <p:nvPr/>
+        </p:nvPicPr>
+        <p:blipFill>
+          <a:blip r:embed="rId2"/>
+          <a:stretch>
+            <a:fillRect/>
+          </a:stretch>
+        </p:blipFill>
+        <p:spPr>
+          <a:xfrm>
+            <a:off x="3126398" y="443279"/>
+            <a:ext cx="5657850" cy="5848350"/>
+          </a:xfrm>
+          <a:prstGeom prst="rect">
+            <a:avLst/>
+          </a:prstGeom>
+        </p:spPr>
+      </p:pic>
+    </p:spTree>
+    <p:extLst>
+      <p:ext uri="{BB962C8B-B14F-4D97-AF65-F5344CB8AC3E}">
+        <p14:creationId xmlns:p14="http://schemas.microsoft.com/office/powerpoint/2010/main" val="3512463357"/>
+      </p:ext>
+    </p:extLst>
+  </p:cSld>
+  <p:clrMapOvr>
+    <a:masterClrMapping/>
+  </p:clrMapOvr>
+  <p:timing>
+    <p:tnLst>
+      <p:par>
+        <p:cTn id="1" dur="indefinite" restart="never" nodeType="tmRoot"/>
+      </p:par>
+    </p:tnLst>
+  </p:timing>
+</p:sld>
+</file>
+
+<file path=ppt/slides/slide33.xml><?xml version="1.0" encoding="utf-8"?>
+<p:sld xmlns:a="http://schemas.openxmlformats.org/drawingml/2006/main" xmlns:r="http://schemas.openxmlformats.org/officeDocument/2006/relationships" xmlns:p="http://schemas.openxmlformats.org/presentationml/2006/main">
+  <p:cSld>
+    <p:spTree>
+      <p:nvGrpSpPr>
+        <p:cNvPr id="1" name=""/>
+        <p:cNvGrpSpPr/>
+        <p:nvPr/>
+      </p:nvGrpSpPr>
+      <p:grpSpPr>
+        <a:xfrm>
+          <a:off x="0" y="0"/>
+          <a:ext cx="0" cy="0"/>
+          <a:chOff x="0" y="0"/>
+          <a:chExt cx="0" cy="0"/>
+        </a:xfrm>
+      </p:grpSpPr>
+      <p:pic>
+        <p:nvPicPr>
+          <p:cNvPr id="6" name="图片 5"/>
+          <p:cNvPicPr>
+            <a:picLocks noChangeAspect="1"/>
+          </p:cNvPicPr>
+          <p:nvPr/>
+        </p:nvPicPr>
+        <p:blipFill>
+          <a:blip r:embed="rId2"/>
+          <a:stretch>
+            <a:fillRect/>
+          </a:stretch>
+        </p:blipFill>
+        <p:spPr>
+          <a:xfrm>
+            <a:off x="599271" y="1494692"/>
+            <a:ext cx="11161878" cy="4026877"/>
+          </a:xfrm>
+          <a:prstGeom prst="rect">
+            <a:avLst/>
+          </a:prstGeom>
+        </p:spPr>
+      </p:pic>
+      <p:sp>
+        <p:nvSpPr>
+          <p:cNvPr id="7" name="圆角矩形 6"/>
+          <p:cNvSpPr/>
+          <p:nvPr/>
+        </p:nvSpPr>
+        <p:spPr>
+          <a:xfrm>
+            <a:off x="1055077" y="2787162"/>
+            <a:ext cx="8484577" cy="2444261"/>
+          </a:xfrm>
+          <a:prstGeom prst="roundRect">
+            <a:avLst/>
+          </a:prstGeom>
+        </p:spPr>
+        <p:style>
+          <a:lnRef idx="2">
+            <a:schemeClr val="accent1">
+              <a:shade val="50000"/>
+            </a:schemeClr>
+          </a:lnRef>
+          <a:fillRef idx="1">
+            <a:schemeClr val="accent1"/>
+          </a:fillRef>
+          <a:effectRef idx="0">
+            <a:schemeClr val="accent1"/>
+          </a:effectRef>
+          <a:fontRef idx="minor">
+            <a:schemeClr val="lt1"/>
+          </a:fontRef>
+        </p:style>
+        <p:txBody>
+          <a:bodyPr rtlCol="0" anchor="ctr"/>
+          <a:lstStyle/>
+          <a:p>
+            <a:pPr algn="ctr"/>
+            <a:endParaRPr lang="zh-CN" altLang="en-US"/>
+          </a:p>
+        </p:txBody>
+      </p:sp>
+    </p:spTree>
+    <p:extLst>
+      <p:ext uri="{BB962C8B-B14F-4D97-AF65-F5344CB8AC3E}">
+        <p14:creationId xmlns:p14="http://schemas.microsoft.com/office/powerpoint/2010/main" val="462406912"/>
+      </p:ext>
+    </p:extLst>
+  </p:cSld>
+  <p:clrMapOvr>
+    <a:masterClrMapping/>
+  </p:clrMapOvr>
+  <p:timing>
+    <p:tnLst>
+      <p:par>
+        <p:cTn id="1" dur="indefinite" restart="never" nodeType="tmRoot">
+          <p:childTnLst>
+            <p:seq concurrent="1" nextAc="seek">
+              <p:cTn id="2" dur="indefinite" nodeType="mainSeq">
+                <p:childTnLst>
+                  <p:par>
+                    <p:cTn id="3" fill="hold">
+                      <p:stCondLst>
+                        <p:cond delay="indefinite"/>
+                      </p:stCondLst>
+                      <p:childTnLst>
+                        <p:par>
+                          <p:cTn id="4" fill="hold">
+                            <p:stCondLst>
+                              <p:cond delay="0"/>
+                            </p:stCondLst>
+                            <p:childTnLst>
+                              <p:par>
+                                <p:cTn id="5" presetID="1" presetClass="exit" presetSubtype="0" fill="hold" grpId="0" nodeType="clickEffect">
+                                  <p:stCondLst>
+                                    <p:cond delay="0"/>
+                                  </p:stCondLst>
+                                  <p:childTnLst>
+                                    <p:set>
+                                      <p:cBhvr>
+                                        <p:cTn id="6" dur="1" fill="hold">
+                                          <p:stCondLst>
+                                            <p:cond delay="0"/>
+                                          </p:stCondLst>
+                                        </p:cTn>
+                                        <p:tgtEl>
+                                          <p:spTgt spid="7"/>
+                                        </p:tgtEl>
+                                        <p:attrNameLst>
+                                          <p:attrName>style.visibility</p:attrName>
+                                        </p:attrNameLst>
+                                      </p:cBhvr>
+                                      <p:to>
+                                        <p:strVal val="hidden"/>
+                                      </p:to>
+                                    </p:set>
+                                  </p:childTnLst>
+                                </p:cTn>
+                              </p:par>
+                            </p:childTnLst>
+                          </p:cTn>
+                        </p:par>
+                      </p:childTnLst>
+                    </p:cTn>
+                  </p:par>
+                </p:childTnLst>
+              </p:cTn>
+              <p:prevCondLst>
+                <p:cond evt="onPrev" delay="0">
+                  <p:tgtEl>
+                    <p:sldTgt/>
+                  </p:tgtEl>
+                </p:cond>
+              </p:prevCondLst>
+              <p:nextCondLst>
+                <p:cond evt="onNext" delay="0">
+                  <p:tgtEl>
+                    <p:sldTgt/>
+                  </p:tgtEl>
+                </p:cond>
+              </p:nextCondLst>
+            </p:seq>
+          </p:childTnLst>
+        </p:cTn>
+      </p:par>
+    </p:tnLst>
+    <p:bldLst>
+      <p:bldP spid="7" grpId="0" animBg="1"/>
+    </p:bldLst>
+  </p:timing>
 </p:sld>
 </file>
 
@@ -5283,6 +6336,13 @@
   <p:clrMapOvr>
     <a:masterClrMapping/>
   </p:clrMapOvr>
+  <p:timing>
+    <p:tnLst>
+      <p:par>
+        <p:cTn id="1" dur="indefinite" restart="never" nodeType="tmRoot"/>
+      </p:par>
+    </p:tnLst>
+  </p:timing>
 </p:sld>
 </file>
 
@@ -5401,6 +6461,13 @@
   <p:clrMapOvr>
     <a:masterClrMapping/>
   </p:clrMapOvr>
+  <p:timing>
+    <p:tnLst>
+      <p:par>
+        <p:cTn id="1" dur="indefinite" restart="never" nodeType="tmRoot"/>
+      </p:par>
+    </p:tnLst>
+  </p:timing>
 </p:sld>
 </file>
 
@@ -5489,6 +6556,13 @@
   <p:clrMapOvr>
     <a:masterClrMapping/>
   </p:clrMapOvr>
+  <p:timing>
+    <p:tnLst>
+      <p:par>
+        <p:cTn id="1" dur="indefinite" restart="never" nodeType="tmRoot"/>
+      </p:par>
+    </p:tnLst>
+  </p:timing>
 </p:sld>
 </file>
 
@@ -5636,6 +6710,13 @@
   <p:clrMapOvr>
     <a:masterClrMapping/>
   </p:clrMapOvr>
+  <p:timing>
+    <p:tnLst>
+      <p:par>
+        <p:cTn id="1" dur="indefinite" restart="never" nodeType="tmRoot"/>
+      </p:par>
+    </p:tnLst>
+  </p:timing>
 </p:sld>
 </file>
 
@@ -5784,6 +6865,13 @@
   <p:clrMapOvr>
     <a:masterClrMapping/>
   </p:clrMapOvr>
+  <p:timing>
+    <p:tnLst>
+      <p:par>
+        <p:cTn id="1" dur="indefinite" restart="never" nodeType="tmRoot"/>
+      </p:par>
+    </p:tnLst>
+  </p:timing>
 </p:sld>
 </file>
 
@@ -5932,6 +7020,13 @@
   <p:clrMapOvr>
     <a:masterClrMapping/>
   </p:clrMapOvr>
+  <p:timing>
+    <p:tnLst>
+      <p:par>
+        <p:cTn id="1" dur="indefinite" restart="never" nodeType="tmRoot"/>
+      </p:par>
+    </p:tnLst>
+  </p:timing>
 </p:sld>
 </file>
 
